--- a/Presentation/Accenture - Case.pptx
+++ b/Presentation/Accenture - Case.pptx
@@ -10327,8 +10327,8 @@
         </p:nvSpPr>
         <p:spPr>
           <a:xfrm>
-            <a:off x="793159" y="1377146"/>
-            <a:ext cx="4076460" cy="3626217"/>
+            <a:off x="793158" y="1377146"/>
+            <a:ext cx="4401967" cy="3626217"/>
           </a:xfrm>
         </p:spPr>
         <p:txBody>
@@ -10382,7 +10382,7 @@
                 <a:ea typeface="+mn-ea"/>
                 <a:cs typeface="+mn-cs"/>
               </a:rPr>
-              <a:t>!</a:t>
+              <a:t> !</a:t>
             </a:r>
             <a:br>
               <a:rPr lang="en-US" sz="7200" b="1" dirty="0">
@@ -11062,7 +11062,7 @@
         </p:blipFill>
         <p:spPr>
           <a:xfrm>
-            <a:off x="666198" y="6274341"/>
+            <a:off x="2610837" y="6292867"/>
             <a:ext cx="546607" cy="546607"/>
           </a:xfrm>
           <a:prstGeom prst="rect">
@@ -11070,6 +11070,45 @@
           </a:prstGeom>
         </p:spPr>
       </p:pic>
+      <p:sp>
+        <p:nvSpPr>
+          <p:cNvPr id="17" name="CaixaDeTexto 16">
+            <a:extLst>
+              <a:ext uri="{FF2B5EF4-FFF2-40B4-BE49-F238E27FC236}">
+                <a16:creationId xmlns:a16="http://schemas.microsoft.com/office/drawing/2014/main" id="{95A765C7-991F-4A07-A974-74A28F507354}"/>
+              </a:ext>
+            </a:extLst>
+          </p:cNvPr>
+          <p:cNvSpPr txBox="1"/>
+          <p:nvPr/>
+        </p:nvSpPr>
+        <p:spPr>
+          <a:xfrm>
+            <a:off x="3123926" y="6362978"/>
+            <a:ext cx="10486908" cy="369332"/>
+          </a:xfrm>
+          <a:prstGeom prst="rect">
+            <a:avLst/>
+          </a:prstGeom>
+          <a:noFill/>
+        </p:spPr>
+        <p:txBody>
+          <a:bodyPr wrap="square">
+            <a:spAutoFit/>
+          </a:bodyPr>
+          <a:lstStyle/>
+          <a:p>
+            <a:r>
+              <a:rPr lang="pt-BR" dirty="0">
+                <a:solidFill>
+                  <a:schemeClr val="bg1"/>
+                </a:solidFill>
+              </a:rPr>
+              <a:t>Arquivos criados para análise:  https://github.com/filipeaguiarrod/Netflix_Acc_Case</a:t>
+            </a:r>
+          </a:p>
+        </p:txBody>
+      </p:sp>
     </p:spTree>
     <p:extLst>
       <p:ext uri="{BB962C8B-B14F-4D97-AF65-F5344CB8AC3E}">
